--- a/etude préliminaire.pptx
+++ b/etude préliminaire.pptx
@@ -6,10 +6,11 @@
   </p:sldMasterIdLst>
   <p:sldIdLst>
     <p:sldId id="258" r:id="rId2"/>
-    <p:sldId id="259" r:id="rId3"/>
-    <p:sldId id="260" r:id="rId4"/>
-    <p:sldId id="256" r:id="rId5"/>
-    <p:sldId id="257" r:id="rId6"/>
+    <p:sldId id="261" r:id="rId3"/>
+    <p:sldId id="259" r:id="rId4"/>
+    <p:sldId id="260" r:id="rId5"/>
+    <p:sldId id="256" r:id="rId6"/>
+    <p:sldId id="257" r:id="rId7"/>
   </p:sldIdLst>
   <p:sldSz cx="12192000" cy="6858000"/>
   <p:notesSz cx="6858000" cy="9144000"/>
@@ -108,6 +109,11 @@
       </a:defRPr>
     </a:lvl9pPr>
   </p:defaultTextStyle>
+  <p:extLst>
+    <p:ext uri="{EFAFB233-063F-42B5-8137-9DF3F51BA10A}">
+      <p15:sldGuideLst xmlns:p15="http://schemas.microsoft.com/office/powerpoint/2012/main"/>
+    </p:ext>
+  </p:extLst>
 </p:presentation>
 </file>
 
@@ -242,7 +248,7 @@
           <a:p>
             <a:fld id="{0801E373-15B6-4C85-ACFA-21D371E18C20}" type="datetimeFigureOut">
               <a:rPr lang="fr-FR" smtClean="0"/>
-              <a:t>10/04/2018</a:t>
+              <a:t>12/04/2018</a:t>
             </a:fld>
             <a:endParaRPr lang="fr-FR"/>
           </a:p>
@@ -412,7 +418,7 @@
           <a:p>
             <a:fld id="{0801E373-15B6-4C85-ACFA-21D371E18C20}" type="datetimeFigureOut">
               <a:rPr lang="fr-FR" smtClean="0"/>
-              <a:t>10/04/2018</a:t>
+              <a:t>12/04/2018</a:t>
             </a:fld>
             <a:endParaRPr lang="fr-FR"/>
           </a:p>
@@ -592,7 +598,7 @@
           <a:p>
             <a:fld id="{0801E373-15B6-4C85-ACFA-21D371E18C20}" type="datetimeFigureOut">
               <a:rPr lang="fr-FR" smtClean="0"/>
-              <a:t>10/04/2018</a:t>
+              <a:t>12/04/2018</a:t>
             </a:fld>
             <a:endParaRPr lang="fr-FR"/>
           </a:p>
@@ -762,7 +768,7 @@
           <a:p>
             <a:fld id="{0801E373-15B6-4C85-ACFA-21D371E18C20}" type="datetimeFigureOut">
               <a:rPr lang="fr-FR" smtClean="0"/>
-              <a:t>10/04/2018</a:t>
+              <a:t>12/04/2018</a:t>
             </a:fld>
             <a:endParaRPr lang="fr-FR"/>
           </a:p>
@@ -1008,7 +1014,7 @@
           <a:p>
             <a:fld id="{0801E373-15B6-4C85-ACFA-21D371E18C20}" type="datetimeFigureOut">
               <a:rPr lang="fr-FR" smtClean="0"/>
-              <a:t>10/04/2018</a:t>
+              <a:t>12/04/2018</a:t>
             </a:fld>
             <a:endParaRPr lang="fr-FR"/>
           </a:p>
@@ -1240,7 +1246,7 @@
           <a:p>
             <a:fld id="{0801E373-15B6-4C85-ACFA-21D371E18C20}" type="datetimeFigureOut">
               <a:rPr lang="fr-FR" smtClean="0"/>
-              <a:t>10/04/2018</a:t>
+              <a:t>12/04/2018</a:t>
             </a:fld>
             <a:endParaRPr lang="fr-FR"/>
           </a:p>
@@ -1607,7 +1613,7 @@
           <a:p>
             <a:fld id="{0801E373-15B6-4C85-ACFA-21D371E18C20}" type="datetimeFigureOut">
               <a:rPr lang="fr-FR" smtClean="0"/>
-              <a:t>10/04/2018</a:t>
+              <a:t>12/04/2018</a:t>
             </a:fld>
             <a:endParaRPr lang="fr-FR"/>
           </a:p>
@@ -1725,7 +1731,7 @@
           <a:p>
             <a:fld id="{0801E373-15B6-4C85-ACFA-21D371E18C20}" type="datetimeFigureOut">
               <a:rPr lang="fr-FR" smtClean="0"/>
-              <a:t>10/04/2018</a:t>
+              <a:t>12/04/2018</a:t>
             </a:fld>
             <a:endParaRPr lang="fr-FR"/>
           </a:p>
@@ -1820,7 +1826,7 @@
           <a:p>
             <a:fld id="{0801E373-15B6-4C85-ACFA-21D371E18C20}" type="datetimeFigureOut">
               <a:rPr lang="fr-FR" smtClean="0"/>
-              <a:t>10/04/2018</a:t>
+              <a:t>12/04/2018</a:t>
             </a:fld>
             <a:endParaRPr lang="fr-FR"/>
           </a:p>
@@ -2097,7 +2103,7 @@
           <a:p>
             <a:fld id="{0801E373-15B6-4C85-ACFA-21D371E18C20}" type="datetimeFigureOut">
               <a:rPr lang="fr-FR" smtClean="0"/>
-              <a:t>10/04/2018</a:t>
+              <a:t>12/04/2018</a:t>
             </a:fld>
             <a:endParaRPr lang="fr-FR"/>
           </a:p>
@@ -2350,7 +2356,7 @@
           <a:p>
             <a:fld id="{0801E373-15B6-4C85-ACFA-21D371E18C20}" type="datetimeFigureOut">
               <a:rPr lang="fr-FR" smtClean="0"/>
-              <a:t>10/04/2018</a:t>
+              <a:t>12/04/2018</a:t>
             </a:fld>
             <a:endParaRPr lang="fr-FR"/>
           </a:p>
@@ -2563,7 +2569,7 @@
           <a:p>
             <a:fld id="{0801E373-15B6-4C85-ACFA-21D371E18C20}" type="datetimeFigureOut">
               <a:rPr lang="fr-FR" smtClean="0"/>
-              <a:t>10/04/2018</a:t>
+              <a:t>12/04/2018</a:t>
             </a:fld>
             <a:endParaRPr lang="fr-FR"/>
           </a:p>
@@ -3084,11 +3090,7 @@
             </a:pPr>
             <a:r>
               <a:rPr lang="fr-FR" dirty="0" smtClean="0"/>
-              <a:t>Avoir une base de donnée dans laquelle, le recruteur pourra </a:t>
-            </a:r>
-            <a:r>
-              <a:rPr lang="fr-FR" dirty="0" smtClean="0"/>
-              <a:t> (</a:t>
+              <a:t>Avoir une base de donnée dans laquelle, le recruteur pourra  (</a:t>
             </a:r>
           </a:p>
           <a:p>
@@ -3139,14 +3141,14 @@
       </p:grpSpPr>
       <p:sp>
         <p:nvSpPr>
-          <p:cNvPr id="2" name="ZoneTexte 1"/>
+          <p:cNvPr id="3" name="ZoneTexte 2"/>
           <p:cNvSpPr txBox="1"/>
           <p:nvPr/>
         </p:nvSpPr>
         <p:spPr>
           <a:xfrm>
-            <a:off x="997527" y="546265"/>
-            <a:ext cx="9250878" cy="369332"/>
+            <a:off x="261257" y="1235033"/>
+            <a:ext cx="2268187" cy="1200329"/>
           </a:xfrm>
           <a:prstGeom prst="rect">
             <a:avLst/>
@@ -3159,25 +3161,42 @@
           </a:bodyPr>
           <a:lstStyle/>
           <a:p>
-            <a:pPr algn="ctr"/>
-            <a:r>
-              <a:rPr lang="fr-FR" dirty="0" smtClean="0"/>
-              <a:t>Organisation de la base de données</a:t>
-            </a:r>
+            <a:r>
+              <a:rPr lang="fr-FR" dirty="0" smtClean="0">
+                <a:solidFill>
+                  <a:srgbClr val="00B050"/>
+                </a:solidFill>
+              </a:rPr>
+              <a:t>Catégorie question:</a:t>
+            </a:r>
+          </a:p>
+          <a:p>
+            <a:r>
+              <a:rPr lang="fr-FR" dirty="0" smtClean="0"/>
+              <a:t>Id :</a:t>
+            </a:r>
+          </a:p>
+          <a:p>
+            <a:r>
+              <a:rPr lang="fr-FR" dirty="0" smtClean="0"/>
+              <a:t>Libellé:</a:t>
+            </a:r>
+          </a:p>
+          <a:p>
             <a:endParaRPr lang="fr-FR" dirty="0"/>
           </a:p>
         </p:txBody>
       </p:sp>
       <p:sp>
         <p:nvSpPr>
-          <p:cNvPr id="3" name="ZoneTexte 2"/>
+          <p:cNvPr id="4" name="ZoneTexte 3"/>
           <p:cNvSpPr txBox="1"/>
           <p:nvPr/>
         </p:nvSpPr>
         <p:spPr>
           <a:xfrm>
-            <a:off x="2149433" y="951223"/>
-            <a:ext cx="8858992" cy="4801314"/>
+            <a:off x="3014354" y="1235033"/>
+            <a:ext cx="1617024" cy="1477328"/>
           </a:xfrm>
           <a:prstGeom prst="rect">
             <a:avLst/>
@@ -3193,212 +3212,45 @@
             <a:r>
               <a:rPr lang="fr-FR" dirty="0" smtClean="0">
                 <a:solidFill>
-                  <a:schemeClr val="accent6"/>
+                  <a:srgbClr val="00B050"/>
                 </a:solidFill>
               </a:rPr>
-              <a:t> Access</a:t>
-            </a:r>
-            <a:r>
-              <a:rPr lang="fr-FR" dirty="0" smtClean="0"/>
-              <a:t>: recruteur </a:t>
-            </a:r>
-            <a:r>
-              <a:rPr lang="fr-FR" dirty="0" smtClean="0"/>
-              <a:t>admin -&gt; </a:t>
-            </a:r>
-            <a:r>
-              <a:rPr lang="fr-FR" dirty="0" smtClean="0">
-                <a:solidFill>
-                  <a:schemeClr val="accent6"/>
-                </a:solidFill>
-              </a:rPr>
-              <a:t>Droit</a:t>
-            </a:r>
-            <a:r>
-              <a:rPr lang="fr-FR" dirty="0" smtClean="0"/>
-              <a:t>: lister, écriture et  lecture.  </a:t>
-            </a:r>
-            <a:r>
-              <a:rPr lang="fr-FR" dirty="0" smtClean="0">
-                <a:solidFill>
-                  <a:schemeClr val="accent6"/>
-                </a:solidFill>
-              </a:rPr>
-              <a:t>moyen d'Access </a:t>
-            </a:r>
-            <a:r>
-              <a:rPr lang="fr-FR" dirty="0" smtClean="0"/>
-              <a:t>:  par un mot de </a:t>
-            </a:r>
-            <a:r>
-              <a:rPr lang="fr-FR" dirty="0" err="1" smtClean="0"/>
-              <a:t>pass</a:t>
-            </a:r>
-            <a:r>
-              <a:rPr lang="fr-FR" dirty="0" smtClean="0"/>
-              <a:t> et id (</a:t>
-            </a:r>
-            <a:r>
-              <a:rPr lang="fr-FR" dirty="0" err="1" smtClean="0"/>
-              <a:t>defini</a:t>
-            </a:r>
-            <a:r>
-              <a:rPr lang="fr-FR" dirty="0" smtClean="0"/>
-              <a:t>).</a:t>
-            </a:r>
-          </a:p>
-          <a:p>
-            <a:r>
-              <a:rPr lang="fr-FR" dirty="0" smtClean="0">
-                <a:solidFill>
-                  <a:schemeClr val="accent6"/>
-                </a:solidFill>
-              </a:rPr>
-              <a:t> Access: </a:t>
-            </a:r>
-            <a:r>
-              <a:rPr lang="fr-FR" dirty="0" smtClean="0"/>
-              <a:t>recruteur -&gt; </a:t>
-            </a:r>
-            <a:r>
-              <a:rPr lang="fr-FR" dirty="0" smtClean="0">
-                <a:solidFill>
-                  <a:schemeClr val="accent6"/>
-                </a:solidFill>
-              </a:rPr>
-              <a:t>Droit: </a:t>
-            </a:r>
-            <a:r>
-              <a:rPr lang="fr-FR" dirty="0" smtClean="0"/>
-              <a:t>lister et lecture </a:t>
-            </a:r>
-            <a:r>
-              <a:rPr lang="fr-FR" dirty="0" smtClean="0">
-                <a:solidFill>
-                  <a:schemeClr val="accent6"/>
-                </a:solidFill>
-              </a:rPr>
-              <a:t>moyen d'Access</a:t>
-            </a:r>
-            <a:r>
-              <a:rPr lang="fr-FR" dirty="0" smtClean="0"/>
-              <a:t>:  par un mot de passe et id (</a:t>
-            </a:r>
-            <a:r>
-              <a:rPr lang="fr-FR" dirty="0" err="1" smtClean="0"/>
-              <a:t>defini</a:t>
-            </a:r>
-            <a:r>
-              <a:rPr lang="fr-FR" dirty="0" smtClean="0"/>
-              <a:t>).</a:t>
-            </a:r>
-          </a:p>
-          <a:p>
-            <a:r>
-              <a:rPr lang="fr-FR" dirty="0" smtClean="0"/>
-              <a:t>		partition de la base de donnée:</a:t>
+              <a:t>réponse:</a:t>
+            </a:r>
+          </a:p>
+          <a:p>
+            <a:r>
+              <a:rPr lang="fr-FR" dirty="0" smtClean="0"/>
+              <a:t>Id :</a:t>
+            </a:r>
+          </a:p>
+          <a:p>
+            <a:r>
+              <a:rPr lang="fr-FR" dirty="0" smtClean="0"/>
+              <a:t>Libellé:</a:t>
+            </a:r>
+          </a:p>
+          <a:p>
+            <a:r>
+              <a:rPr lang="fr-FR" dirty="0" smtClean="0"/>
+              <a:t> </a:t>
             </a:r>
           </a:p>
           <a:p>
             <a:endParaRPr lang="fr-FR" dirty="0"/>
           </a:p>
-          <a:p>
-            <a:r>
-              <a:rPr lang="fr-FR" b="1" u="sng" dirty="0" smtClean="0"/>
-              <a:t>Niveau 1 :</a:t>
-            </a:r>
-            <a:r>
-              <a:rPr lang="fr-FR" dirty="0" smtClean="0"/>
-              <a:t> Catégorie  de question(SQL, C#, …)</a:t>
-            </a:r>
-          </a:p>
-          <a:p>
-            <a:pPr lvl="0"/>
-            <a:r>
-              <a:rPr lang="fr-FR" dirty="0" smtClean="0"/>
-              <a:t>Id</a:t>
-            </a:r>
-          </a:p>
-          <a:p>
-            <a:pPr lvl="0"/>
-            <a:r>
-              <a:rPr lang="fr-FR" dirty="0" smtClean="0"/>
-              <a:t>Libellé</a:t>
-            </a:r>
-          </a:p>
-          <a:p>
-            <a:r>
-              <a:rPr lang="fr-FR" b="1" u="sng" dirty="0" smtClean="0"/>
-              <a:t>Niveau 2 :</a:t>
-            </a:r>
-            <a:r>
-              <a:rPr lang="fr-FR" dirty="0" smtClean="0"/>
-              <a:t> Groupe de questions dans chaque catégorie</a:t>
-            </a:r>
-          </a:p>
-          <a:p>
-            <a:r>
-              <a:rPr lang="fr-FR" dirty="0" smtClean="0"/>
-              <a:t> </a:t>
-            </a:r>
-          </a:p>
-          <a:p>
-            <a:r>
-              <a:rPr lang="fr-FR" b="1" u="sng" dirty="0" smtClean="0"/>
-              <a:t>Niveau 3 :</a:t>
-            </a:r>
-            <a:r>
-              <a:rPr lang="fr-FR" dirty="0" smtClean="0"/>
-              <a:t> Question</a:t>
-            </a:r>
-          </a:p>
-          <a:p>
-            <a:pPr lvl="0"/>
-            <a:r>
-              <a:rPr lang="fr-FR" dirty="0" smtClean="0"/>
-              <a:t>Id</a:t>
-            </a:r>
-          </a:p>
-          <a:p>
-            <a:pPr lvl="0"/>
-            <a:r>
-              <a:rPr lang="fr-FR" dirty="0" smtClean="0"/>
-              <a:t>Libellé (la question elle-même)</a:t>
-            </a:r>
-          </a:p>
-          <a:p>
-            <a:pPr lvl="0"/>
-            <a:r>
-              <a:rPr lang="fr-FR" dirty="0" smtClean="0"/>
-              <a:t>Difficulté (note 1 à 5)</a:t>
-            </a:r>
-          </a:p>
-          <a:p>
-            <a:pPr lvl="0"/>
-            <a:r>
-              <a:rPr lang="fr-FR" dirty="0" smtClean="0"/>
-              <a:t>Type : libre ou QCM</a:t>
-            </a:r>
-          </a:p>
-          <a:p>
-            <a:pPr lvl="0"/>
-            <a:r>
-              <a:rPr lang="fr-FR" dirty="0" smtClean="0"/>
-              <a:t>Liste de choix si QCM</a:t>
-            </a:r>
-          </a:p>
-        </p:txBody>
-      </p:sp>
-      <p:sp>
-        <p:nvSpPr>
-          <p:cNvPr id="4" name="ZoneTexte 3"/>
+        </p:txBody>
+      </p:sp>
+      <p:sp>
+        <p:nvSpPr>
+          <p:cNvPr id="6" name="ZoneTexte 5"/>
           <p:cNvSpPr txBox="1"/>
           <p:nvPr/>
         </p:nvSpPr>
         <p:spPr>
           <a:xfrm>
-            <a:off x="3111336" y="5878286"/>
-            <a:ext cx="7493330" cy="369332"/>
+            <a:off x="6337466" y="1318161"/>
+            <a:ext cx="2272144" cy="2585323"/>
           </a:xfrm>
           <a:prstGeom prst="rect">
             <a:avLst/>
@@ -3412,17 +3264,353 @@
           <a:lstStyle/>
           <a:p>
             <a:r>
-              <a:rPr lang="fr-FR" dirty="0" smtClean="0"/>
-              <a:t>Formulaire peut contenir à la fois un qcm et un e question-</a:t>
-            </a:r>
+              <a:rPr lang="fr-FR" dirty="0" smtClean="0">
+                <a:solidFill>
+                  <a:srgbClr val="00B050"/>
+                </a:solidFill>
+              </a:rPr>
+              <a:t>question:</a:t>
+            </a:r>
+          </a:p>
+          <a:p>
+            <a:r>
+              <a:rPr lang="fr-FR" dirty="0" smtClean="0"/>
+              <a:t>Id :</a:t>
+            </a:r>
+          </a:p>
+          <a:p>
+            <a:r>
+              <a:rPr lang="fr-FR" dirty="0" smtClean="0"/>
+              <a:t>Libellé:</a:t>
+            </a:r>
+          </a:p>
+          <a:p>
             <a:r>
               <a:rPr lang="fr-FR" dirty="0" err="1" smtClean="0"/>
-              <a:t>reponse</a:t>
-            </a:r>
-            <a:r>
-              <a:rPr lang="fr-FR" dirty="0"/>
-              <a:t>.</a:t>
-            </a:r>
+              <a:t>Id_réponse</a:t>
+            </a:r>
+            <a:r>
+              <a:rPr lang="fr-FR" dirty="0" smtClean="0"/>
+              <a:t> :</a:t>
+            </a:r>
+          </a:p>
+          <a:p>
+            <a:r>
+              <a:rPr lang="fr-FR" dirty="0" err="1" smtClean="0"/>
+              <a:t>Id_catégorie</a:t>
+            </a:r>
+            <a:r>
+              <a:rPr lang="fr-FR" dirty="0" smtClean="0"/>
+              <a:t> :</a:t>
+            </a:r>
+          </a:p>
+          <a:p>
+            <a:r>
+              <a:rPr lang="fr-FR" dirty="0" smtClean="0"/>
+              <a:t>Difficulté: 1 à 50</a:t>
+            </a:r>
+          </a:p>
+          <a:p>
+            <a:r>
+              <a:rPr lang="fr-FR" dirty="0" smtClean="0"/>
+              <a:t>Type: libre ou qcm</a:t>
+            </a:r>
+          </a:p>
+          <a:p>
+            <a:r>
+              <a:rPr lang="fr-FR" dirty="0" smtClean="0"/>
+              <a:t>Liste de choix si QCM</a:t>
+            </a:r>
+          </a:p>
+          <a:p>
+            <a:endParaRPr lang="fr-FR" dirty="0" smtClean="0"/>
+          </a:p>
+        </p:txBody>
+      </p:sp>
+      <p:sp>
+        <p:nvSpPr>
+          <p:cNvPr id="7" name="ZoneTexte 6"/>
+          <p:cNvSpPr txBox="1"/>
+          <p:nvPr/>
+        </p:nvSpPr>
+        <p:spPr>
+          <a:xfrm>
+            <a:off x="2529444" y="178130"/>
+            <a:ext cx="7077694" cy="369332"/>
+          </a:xfrm>
+          <a:prstGeom prst="rect">
+            <a:avLst/>
+          </a:prstGeom>
+          <a:noFill/>
+        </p:spPr>
+        <p:txBody>
+          <a:bodyPr wrap="square" rtlCol="0">
+            <a:spAutoFit/>
+          </a:bodyPr>
+          <a:lstStyle/>
+          <a:p>
+            <a:pPr algn="ctr"/>
+            <a:r>
+              <a:rPr lang="fr-FR" dirty="0" smtClean="0">
+                <a:solidFill>
+                  <a:srgbClr val="FF0000"/>
+                </a:solidFill>
+              </a:rPr>
+              <a:t>Formulaire de question </a:t>
+            </a:r>
+            <a:endParaRPr lang="fr-FR" dirty="0">
+              <a:solidFill>
+                <a:srgbClr val="FF0000"/>
+              </a:solidFill>
+            </a:endParaRPr>
+          </a:p>
+        </p:txBody>
+      </p:sp>
+      <p:cxnSp>
+        <p:nvCxnSpPr>
+          <p:cNvPr id="11" name="Connecteur droit 10"/>
+          <p:cNvCxnSpPr/>
+          <p:nvPr/>
+        </p:nvCxnSpPr>
+        <p:spPr>
+          <a:xfrm>
+            <a:off x="261257" y="4809506"/>
+            <a:ext cx="1187533" cy="11876"/>
+          </a:xfrm>
+          <a:prstGeom prst="line">
+            <a:avLst/>
+          </a:prstGeom>
+          <a:ln w="38100">
+            <a:solidFill>
+              <a:srgbClr val="FF0000"/>
+            </a:solidFill>
+          </a:ln>
+        </p:spPr>
+        <p:style>
+          <a:lnRef idx="1">
+            <a:schemeClr val="accent1"/>
+          </a:lnRef>
+          <a:fillRef idx="0">
+            <a:schemeClr val="accent1"/>
+          </a:fillRef>
+          <a:effectRef idx="0">
+            <a:schemeClr val="accent1"/>
+          </a:effectRef>
+          <a:fontRef idx="minor">
+            <a:schemeClr val="tx1"/>
+          </a:fontRef>
+        </p:style>
+      </p:cxnSp>
+      <p:cxnSp>
+        <p:nvCxnSpPr>
+          <p:cNvPr id="12" name="Connecteur droit 11"/>
+          <p:cNvCxnSpPr/>
+          <p:nvPr/>
+        </p:nvCxnSpPr>
+        <p:spPr>
+          <a:xfrm>
+            <a:off x="261256" y="5211288"/>
+            <a:ext cx="1187533" cy="11876"/>
+          </a:xfrm>
+          <a:prstGeom prst="line">
+            <a:avLst/>
+          </a:prstGeom>
+          <a:ln w="38100">
+            <a:solidFill>
+              <a:srgbClr val="92D050"/>
+            </a:solidFill>
+          </a:ln>
+        </p:spPr>
+        <p:style>
+          <a:lnRef idx="1">
+            <a:schemeClr val="accent1"/>
+          </a:lnRef>
+          <a:fillRef idx="0">
+            <a:schemeClr val="accent1"/>
+          </a:fillRef>
+          <a:effectRef idx="0">
+            <a:schemeClr val="accent1"/>
+          </a:effectRef>
+          <a:fontRef idx="minor">
+            <a:schemeClr val="tx1"/>
+          </a:fontRef>
+        </p:style>
+      </p:cxnSp>
+      <p:cxnSp>
+        <p:nvCxnSpPr>
+          <p:cNvPr id="13" name="Connecteur droit 12"/>
+          <p:cNvCxnSpPr/>
+          <p:nvPr/>
+        </p:nvCxnSpPr>
+        <p:spPr>
+          <a:xfrm>
+            <a:off x="261256" y="5613070"/>
+            <a:ext cx="1187533" cy="11876"/>
+          </a:xfrm>
+          <a:prstGeom prst="line">
+            <a:avLst/>
+          </a:prstGeom>
+          <a:ln w="38100">
+            <a:solidFill>
+              <a:schemeClr val="tx1"/>
+            </a:solidFill>
+          </a:ln>
+        </p:spPr>
+        <p:style>
+          <a:lnRef idx="1">
+            <a:schemeClr val="accent1"/>
+          </a:lnRef>
+          <a:fillRef idx="0">
+            <a:schemeClr val="accent1"/>
+          </a:fillRef>
+          <a:effectRef idx="0">
+            <a:schemeClr val="accent1"/>
+          </a:effectRef>
+          <a:fontRef idx="minor">
+            <a:schemeClr val="tx1"/>
+          </a:fontRef>
+        </p:style>
+      </p:cxnSp>
+      <p:sp>
+        <p:nvSpPr>
+          <p:cNvPr id="15" name="ZoneTexte 14"/>
+          <p:cNvSpPr txBox="1"/>
+          <p:nvPr/>
+        </p:nvSpPr>
+        <p:spPr>
+          <a:xfrm>
+            <a:off x="1710047" y="4543301"/>
+            <a:ext cx="1304307" cy="369332"/>
+          </a:xfrm>
+          <a:prstGeom prst="rect">
+            <a:avLst/>
+          </a:prstGeom>
+          <a:noFill/>
+        </p:spPr>
+        <p:txBody>
+          <a:bodyPr wrap="square" rtlCol="0">
+            <a:spAutoFit/>
+          </a:bodyPr>
+          <a:lstStyle/>
+          <a:p>
+            <a:r>
+              <a:rPr lang="fr-FR" dirty="0" smtClean="0"/>
+              <a:t>base</a:t>
+            </a:r>
+            <a:endParaRPr lang="fr-FR" dirty="0"/>
+          </a:p>
+        </p:txBody>
+      </p:sp>
+      <p:sp>
+        <p:nvSpPr>
+          <p:cNvPr id="18" name="ZoneTexte 17"/>
+          <p:cNvSpPr txBox="1"/>
+          <p:nvPr/>
+        </p:nvSpPr>
+        <p:spPr>
+          <a:xfrm>
+            <a:off x="1710046" y="5038498"/>
+            <a:ext cx="1304307" cy="369332"/>
+          </a:xfrm>
+          <a:prstGeom prst="rect">
+            <a:avLst/>
+          </a:prstGeom>
+          <a:noFill/>
+        </p:spPr>
+        <p:txBody>
+          <a:bodyPr wrap="square" rtlCol="0">
+            <a:spAutoFit/>
+          </a:bodyPr>
+          <a:lstStyle/>
+          <a:p>
+            <a:r>
+              <a:rPr lang="fr-FR" dirty="0" smtClean="0"/>
+              <a:t>table</a:t>
+            </a:r>
+            <a:endParaRPr lang="fr-FR" dirty="0"/>
+          </a:p>
+        </p:txBody>
+      </p:sp>
+      <p:sp>
+        <p:nvSpPr>
+          <p:cNvPr id="19" name="ZoneTexte 18"/>
+          <p:cNvSpPr txBox="1"/>
+          <p:nvPr/>
+        </p:nvSpPr>
+        <p:spPr>
+          <a:xfrm>
+            <a:off x="1565563" y="5428404"/>
+            <a:ext cx="1842655" cy="369332"/>
+          </a:xfrm>
+          <a:prstGeom prst="rect">
+            <a:avLst/>
+          </a:prstGeom>
+          <a:noFill/>
+        </p:spPr>
+        <p:txBody>
+          <a:bodyPr wrap="square" rtlCol="0">
+            <a:spAutoFit/>
+          </a:bodyPr>
+          <a:lstStyle/>
+          <a:p>
+            <a:r>
+              <a:rPr lang="fr-FR" dirty="0" smtClean="0"/>
+              <a:t>Champs + entrée</a:t>
+            </a:r>
+            <a:endParaRPr lang="fr-FR" dirty="0"/>
+          </a:p>
+        </p:txBody>
+      </p:sp>
+      <p:sp>
+        <p:nvSpPr>
+          <p:cNvPr id="21" name="ZoneTexte 20"/>
+          <p:cNvSpPr txBox="1"/>
+          <p:nvPr/>
+        </p:nvSpPr>
+        <p:spPr>
+          <a:xfrm>
+            <a:off x="9607137" y="1423059"/>
+            <a:ext cx="2470067" cy="1477328"/>
+          </a:xfrm>
+          <a:prstGeom prst="rect">
+            <a:avLst/>
+          </a:prstGeom>
+          <a:noFill/>
+        </p:spPr>
+        <p:txBody>
+          <a:bodyPr wrap="square" rtlCol="0">
+            <a:spAutoFit/>
+          </a:bodyPr>
+          <a:lstStyle/>
+          <a:p>
+            <a:r>
+              <a:rPr lang="fr-FR" dirty="0" smtClean="0">
+                <a:solidFill>
+                  <a:srgbClr val="00B050"/>
+                </a:solidFill>
+              </a:rPr>
+              <a:t>Groupe de question </a:t>
+            </a:r>
+          </a:p>
+          <a:p>
+            <a:r>
+              <a:rPr lang="fr-FR" dirty="0" smtClean="0"/>
+              <a:t>Id :</a:t>
+            </a:r>
+          </a:p>
+          <a:p>
+            <a:r>
+              <a:rPr lang="fr-FR" dirty="0" smtClean="0"/>
+              <a:t>Libellé:</a:t>
+            </a:r>
+          </a:p>
+          <a:p>
+            <a:r>
+              <a:rPr lang="fr-FR" dirty="0" smtClean="0"/>
+              <a:t> </a:t>
+            </a:r>
+          </a:p>
+          <a:p>
             <a:endParaRPr lang="fr-FR" dirty="0"/>
           </a:p>
         </p:txBody>
@@ -3430,7 +3618,7 @@
     </p:spTree>
     <p:extLst>
       <p:ext uri="{BB962C8B-B14F-4D97-AF65-F5344CB8AC3E}">
-        <p14:creationId xmlns:p14="http://schemas.microsoft.com/office/powerpoint/2010/main" val="1647572989"/>
+        <p14:creationId xmlns:p14="http://schemas.microsoft.com/office/powerpoint/2010/main" val="1026404581"/>
       </p:ext>
     </p:extLst>
   </p:cSld>
@@ -3459,14 +3647,14 @@
       </p:grpSpPr>
       <p:sp>
         <p:nvSpPr>
-          <p:cNvPr id="4" name="ZoneTexte 3"/>
+          <p:cNvPr id="2" name="ZoneTexte 1"/>
           <p:cNvSpPr txBox="1"/>
           <p:nvPr/>
         </p:nvSpPr>
         <p:spPr>
           <a:xfrm>
-            <a:off x="570016" y="617516"/>
-            <a:ext cx="10414659" cy="1261884"/>
+            <a:off x="997527" y="546265"/>
+            <a:ext cx="9250878" cy="369332"/>
           </a:xfrm>
           <a:prstGeom prst="rect">
             <a:avLst/>
@@ -3479,44 +3667,273 @@
           </a:bodyPr>
           <a:lstStyle/>
           <a:p>
-            <a:r>
-              <a:rPr lang="fr-FR" sz="2000" dirty="0" smtClean="0"/>
-              <a:t>Lister:</a:t>
-            </a:r>
-            <a:r>
-              <a:rPr lang="fr-FR" dirty="0" smtClean="0"/>
-              <a:t> les catégories de questionnaire : cocher les catégorie voulu et valider. -&gt;</a:t>
-            </a:r>
-          </a:p>
-          <a:p>
-            <a:r>
-              <a:rPr lang="fr-FR" sz="2000" dirty="0" smtClean="0"/>
-              <a:t>ajouter</a:t>
-            </a:r>
-            <a:r>
-              <a:rPr lang="fr-FR" dirty="0" smtClean="0"/>
-              <a:t> : </a:t>
-            </a:r>
-          </a:p>
-          <a:p>
-            <a:r>
-              <a:rPr lang="fr-FR" dirty="0" smtClean="0"/>
-              <a:t>Supprimer :</a:t>
-            </a:r>
-          </a:p>
-          <a:p>
-            <a:r>
-              <a:rPr lang="fr-FR" dirty="0" smtClean="0"/>
-              <a:t> </a:t>
+            <a:pPr algn="ctr"/>
+            <a:r>
+              <a:rPr lang="fr-FR" dirty="0" smtClean="0"/>
+              <a:t>Organisation de la base de données</a:t>
             </a:r>
             <a:endParaRPr lang="fr-FR" dirty="0"/>
+          </a:p>
+        </p:txBody>
+      </p:sp>
+      <p:sp>
+        <p:nvSpPr>
+          <p:cNvPr id="3" name="ZoneTexte 2"/>
+          <p:cNvSpPr txBox="1"/>
+          <p:nvPr/>
+        </p:nvSpPr>
+        <p:spPr>
+          <a:xfrm>
+            <a:off x="2149433" y="951223"/>
+            <a:ext cx="8858992" cy="4801314"/>
+          </a:xfrm>
+          <a:prstGeom prst="rect">
+            <a:avLst/>
+          </a:prstGeom>
+          <a:noFill/>
+        </p:spPr>
+        <p:txBody>
+          <a:bodyPr wrap="square" rtlCol="0">
+            <a:spAutoFit/>
+          </a:bodyPr>
+          <a:lstStyle/>
+          <a:p>
+            <a:r>
+              <a:rPr lang="fr-FR" dirty="0" smtClean="0">
+                <a:solidFill>
+                  <a:schemeClr val="accent6"/>
+                </a:solidFill>
+              </a:rPr>
+              <a:t> Access</a:t>
+            </a:r>
+            <a:r>
+              <a:rPr lang="fr-FR" dirty="0" smtClean="0"/>
+              <a:t>: recruteur admin -&gt; </a:t>
+            </a:r>
+            <a:r>
+              <a:rPr lang="fr-FR" dirty="0" smtClean="0">
+                <a:solidFill>
+                  <a:schemeClr val="accent6"/>
+                </a:solidFill>
+              </a:rPr>
+              <a:t>Droit</a:t>
+            </a:r>
+            <a:r>
+              <a:rPr lang="fr-FR" dirty="0" smtClean="0"/>
+              <a:t>: lister, écriture et  lecture.  </a:t>
+            </a:r>
+            <a:r>
+              <a:rPr lang="fr-FR" dirty="0" smtClean="0">
+                <a:solidFill>
+                  <a:schemeClr val="accent6"/>
+                </a:solidFill>
+              </a:rPr>
+              <a:t>moyen d'Access </a:t>
+            </a:r>
+            <a:r>
+              <a:rPr lang="fr-FR" dirty="0" smtClean="0"/>
+              <a:t>:  par un mot de </a:t>
+            </a:r>
+            <a:r>
+              <a:rPr lang="fr-FR" dirty="0" err="1" smtClean="0"/>
+              <a:t>pass</a:t>
+            </a:r>
+            <a:r>
+              <a:rPr lang="fr-FR" dirty="0" smtClean="0"/>
+              <a:t> et id (</a:t>
+            </a:r>
+            <a:r>
+              <a:rPr lang="fr-FR" dirty="0" err="1" smtClean="0"/>
+              <a:t>defini</a:t>
+            </a:r>
+            <a:r>
+              <a:rPr lang="fr-FR" dirty="0" smtClean="0"/>
+              <a:t>).</a:t>
+            </a:r>
+          </a:p>
+          <a:p>
+            <a:r>
+              <a:rPr lang="fr-FR" dirty="0" smtClean="0">
+                <a:solidFill>
+                  <a:schemeClr val="accent6"/>
+                </a:solidFill>
+              </a:rPr>
+              <a:t> Access: </a:t>
+            </a:r>
+            <a:r>
+              <a:rPr lang="fr-FR" dirty="0" smtClean="0"/>
+              <a:t>recruteur -&gt; </a:t>
+            </a:r>
+            <a:r>
+              <a:rPr lang="fr-FR" dirty="0" smtClean="0">
+                <a:solidFill>
+                  <a:schemeClr val="accent6"/>
+                </a:solidFill>
+              </a:rPr>
+              <a:t>Droit: </a:t>
+            </a:r>
+            <a:r>
+              <a:rPr lang="fr-FR" dirty="0" smtClean="0"/>
+              <a:t>lister et lecture </a:t>
+            </a:r>
+            <a:r>
+              <a:rPr lang="fr-FR" dirty="0" smtClean="0">
+                <a:solidFill>
+                  <a:schemeClr val="accent6"/>
+                </a:solidFill>
+              </a:rPr>
+              <a:t>moyen d'Access</a:t>
+            </a:r>
+            <a:r>
+              <a:rPr lang="fr-FR" dirty="0" smtClean="0"/>
+              <a:t>:  par un mot de passe et id (</a:t>
+            </a:r>
+            <a:r>
+              <a:rPr lang="fr-FR" dirty="0" err="1" smtClean="0"/>
+              <a:t>defini</a:t>
+            </a:r>
+            <a:r>
+              <a:rPr lang="fr-FR" dirty="0" smtClean="0"/>
+              <a:t>).</a:t>
+            </a:r>
+          </a:p>
+          <a:p>
+            <a:r>
+              <a:rPr lang="fr-FR" dirty="0" smtClean="0"/>
+              <a:t>		partition de la base de donnée:</a:t>
+            </a:r>
+          </a:p>
+          <a:p>
+            <a:endParaRPr lang="fr-FR" dirty="0"/>
+          </a:p>
+          <a:p>
+            <a:r>
+              <a:rPr lang="fr-FR" b="1" u="sng" dirty="0" smtClean="0"/>
+              <a:t>Niveau 1 :</a:t>
+            </a:r>
+            <a:r>
+              <a:rPr lang="fr-FR" dirty="0" smtClean="0"/>
+              <a:t> Catégorie  de question(SQL, C#, …)</a:t>
+            </a:r>
+          </a:p>
+          <a:p>
+            <a:pPr lvl="0"/>
+            <a:r>
+              <a:rPr lang="fr-FR" dirty="0" smtClean="0"/>
+              <a:t>Id</a:t>
+            </a:r>
+          </a:p>
+          <a:p>
+            <a:pPr lvl="0"/>
+            <a:r>
+              <a:rPr lang="fr-FR" dirty="0" smtClean="0"/>
+              <a:t>Libellé</a:t>
+            </a:r>
+          </a:p>
+          <a:p>
+            <a:r>
+              <a:rPr lang="fr-FR" b="1" u="sng" dirty="0" smtClean="0"/>
+              <a:t>Niveau 2 :</a:t>
+            </a:r>
+            <a:r>
+              <a:rPr lang="fr-FR" dirty="0" smtClean="0"/>
+              <a:t> Groupe de questions dans chaque catégorie</a:t>
+            </a:r>
+          </a:p>
+          <a:p>
+            <a:r>
+              <a:rPr lang="fr-FR" dirty="0" smtClean="0"/>
+              <a:t> </a:t>
+            </a:r>
+          </a:p>
+          <a:p>
+            <a:r>
+              <a:rPr lang="fr-FR" b="1" u="sng" dirty="0" smtClean="0"/>
+              <a:t>Niveau 3 :</a:t>
+            </a:r>
+            <a:r>
+              <a:rPr lang="fr-FR" dirty="0" smtClean="0"/>
+              <a:t> Question</a:t>
+            </a:r>
+          </a:p>
+          <a:p>
+            <a:pPr lvl="0"/>
+            <a:r>
+              <a:rPr lang="fr-FR" dirty="0" smtClean="0"/>
+              <a:t>Id</a:t>
+            </a:r>
+          </a:p>
+          <a:p>
+            <a:pPr lvl="0"/>
+            <a:r>
+              <a:rPr lang="fr-FR" dirty="0" smtClean="0"/>
+              <a:t>Libellé (la question elle-même)</a:t>
+            </a:r>
+          </a:p>
+          <a:p>
+            <a:pPr lvl="0"/>
+            <a:r>
+              <a:rPr lang="fr-FR" dirty="0" smtClean="0"/>
+              <a:t>Difficulté (note 1 à 5)</a:t>
+            </a:r>
+          </a:p>
+          <a:p>
+            <a:pPr lvl="0"/>
+            <a:r>
+              <a:rPr lang="fr-FR" dirty="0" smtClean="0"/>
+              <a:t>Type : libre ou QCM</a:t>
+            </a:r>
+          </a:p>
+          <a:p>
+            <a:pPr lvl="0"/>
+            <a:r>
+              <a:rPr lang="fr-FR" dirty="0" smtClean="0"/>
+              <a:t>Liste de choix si QCM</a:t>
+            </a:r>
+          </a:p>
+        </p:txBody>
+      </p:sp>
+      <p:sp>
+        <p:nvSpPr>
+          <p:cNvPr id="4" name="ZoneTexte 3"/>
+          <p:cNvSpPr txBox="1"/>
+          <p:nvPr/>
+        </p:nvSpPr>
+        <p:spPr>
+          <a:xfrm>
+            <a:off x="3111336" y="5878286"/>
+            <a:ext cx="7493330" cy="369332"/>
+          </a:xfrm>
+          <a:prstGeom prst="rect">
+            <a:avLst/>
+          </a:prstGeom>
+          <a:noFill/>
+        </p:spPr>
+        <p:txBody>
+          <a:bodyPr wrap="square" rtlCol="0">
+            <a:spAutoFit/>
+          </a:bodyPr>
+          <a:lstStyle/>
+          <a:p>
+            <a:r>
+              <a:rPr lang="fr-FR" dirty="0" smtClean="0"/>
+              <a:t>Formulaire peut contenir à la fois un qcm et un e question-</a:t>
+            </a:r>
+            <a:r>
+              <a:rPr lang="fr-FR" dirty="0" err="1" smtClean="0"/>
+              <a:t>reponse</a:t>
+            </a:r>
+            <a:r>
+              <a:rPr lang="fr-FR" dirty="0"/>
+              <a:t>.</a:t>
+            </a:r>
           </a:p>
         </p:txBody>
       </p:sp>
     </p:spTree>
     <p:extLst>
       <p:ext uri="{BB962C8B-B14F-4D97-AF65-F5344CB8AC3E}">
-        <p14:creationId xmlns:p14="http://schemas.microsoft.com/office/powerpoint/2010/main" val="1178207391"/>
+        <p14:creationId xmlns:p14="http://schemas.microsoft.com/office/powerpoint/2010/main" val="1647572989"/>
       </p:ext>
     </p:extLst>
   </p:cSld>
@@ -3545,190 +3962,14 @@
       </p:grpSpPr>
       <p:sp>
         <p:nvSpPr>
-          <p:cNvPr id="4" name="Rectangle à coins arrondis 3"/>
-          <p:cNvSpPr/>
-          <p:nvPr/>
-        </p:nvSpPr>
-        <p:spPr>
-          <a:xfrm>
-            <a:off x="4583876" y="201881"/>
-            <a:ext cx="2636322" cy="1246909"/>
-          </a:xfrm>
-          <a:prstGeom prst="roundRect">
-            <a:avLst/>
-          </a:prstGeom>
-        </p:spPr>
-        <p:style>
-          <a:lnRef idx="2">
-            <a:schemeClr val="accent1">
-              <a:shade val="50000"/>
-            </a:schemeClr>
-          </a:lnRef>
-          <a:fillRef idx="1">
-            <a:schemeClr val="accent1"/>
-          </a:fillRef>
-          <a:effectRef idx="0">
-            <a:schemeClr val="accent1"/>
-          </a:effectRef>
-          <a:fontRef idx="minor">
-            <a:schemeClr val="lt1"/>
-          </a:fontRef>
-        </p:style>
-        <p:txBody>
-          <a:bodyPr rtlCol="0" anchor="ctr"/>
-          <a:lstStyle/>
-          <a:p>
-            <a:pPr algn="ctr"/>
-            <a:r>
-              <a:rPr lang="fr-FR" dirty="0" smtClean="0"/>
-              <a:t>contrôleur</a:t>
-            </a:r>
-            <a:endParaRPr lang="fr-FR" dirty="0"/>
-          </a:p>
-        </p:txBody>
-      </p:sp>
-      <p:sp>
-        <p:nvSpPr>
-          <p:cNvPr id="5" name="Rectangle à coins arrondis 4"/>
-          <p:cNvSpPr/>
-          <p:nvPr/>
-        </p:nvSpPr>
-        <p:spPr>
-          <a:xfrm>
-            <a:off x="1138052" y="2224643"/>
-            <a:ext cx="2636322" cy="1246909"/>
-          </a:xfrm>
-          <a:prstGeom prst="roundRect">
-            <a:avLst/>
-          </a:prstGeom>
-        </p:spPr>
-        <p:style>
-          <a:lnRef idx="2">
-            <a:schemeClr val="accent1">
-              <a:shade val="50000"/>
-            </a:schemeClr>
-          </a:lnRef>
-          <a:fillRef idx="1">
-            <a:schemeClr val="accent1"/>
-          </a:fillRef>
-          <a:effectRef idx="0">
-            <a:schemeClr val="accent1"/>
-          </a:effectRef>
-          <a:fontRef idx="minor">
-            <a:schemeClr val="lt1"/>
-          </a:fontRef>
-        </p:style>
-        <p:txBody>
-          <a:bodyPr rtlCol="0" anchor="ctr"/>
-          <a:lstStyle/>
-          <a:p>
-            <a:pPr algn="ctr"/>
-            <a:r>
-              <a:rPr lang="fr-FR" dirty="0" smtClean="0"/>
-              <a:t>vue</a:t>
-            </a:r>
-            <a:endParaRPr lang="fr-FR" dirty="0"/>
-          </a:p>
-        </p:txBody>
-      </p:sp>
-      <p:sp>
-        <p:nvSpPr>
-          <p:cNvPr id="6" name="Rectangle à coins arrondis 5"/>
-          <p:cNvSpPr/>
-          <p:nvPr/>
-        </p:nvSpPr>
-        <p:spPr>
-          <a:xfrm>
-            <a:off x="8055427" y="2224644"/>
-            <a:ext cx="2636322" cy="1246909"/>
-          </a:xfrm>
-          <a:prstGeom prst="roundRect">
-            <a:avLst/>
-          </a:prstGeom>
-        </p:spPr>
-        <p:style>
-          <a:lnRef idx="2">
-            <a:schemeClr val="accent1">
-              <a:shade val="50000"/>
-            </a:schemeClr>
-          </a:lnRef>
-          <a:fillRef idx="1">
-            <a:schemeClr val="accent1"/>
-          </a:fillRef>
-          <a:effectRef idx="0">
-            <a:schemeClr val="accent1"/>
-          </a:effectRef>
-          <a:fontRef idx="minor">
-            <a:schemeClr val="lt1"/>
-          </a:fontRef>
-        </p:style>
-        <p:txBody>
-          <a:bodyPr rtlCol="0" anchor="ctr"/>
-          <a:lstStyle/>
-          <a:p>
-            <a:pPr algn="ctr"/>
-            <a:r>
-              <a:rPr lang="fr-FR" dirty="0" smtClean="0"/>
-              <a:t>modèles</a:t>
-            </a:r>
-            <a:endParaRPr lang="fr-FR" dirty="0"/>
-          </a:p>
-        </p:txBody>
-      </p:sp>
-      <p:sp>
-        <p:nvSpPr>
-          <p:cNvPr id="7" name="Cylindre 6"/>
-          <p:cNvSpPr/>
-          <p:nvPr/>
-        </p:nvSpPr>
-        <p:spPr>
-          <a:xfrm>
-            <a:off x="9373588" y="5011388"/>
-            <a:ext cx="1816925" cy="1650670"/>
-          </a:xfrm>
-          <a:prstGeom prst="can">
-            <a:avLst/>
-          </a:prstGeom>
-        </p:spPr>
-        <p:style>
-          <a:lnRef idx="2">
-            <a:schemeClr val="accent1">
-              <a:shade val="50000"/>
-            </a:schemeClr>
-          </a:lnRef>
-          <a:fillRef idx="1">
-            <a:schemeClr val="accent1"/>
-          </a:fillRef>
-          <a:effectRef idx="0">
-            <a:schemeClr val="accent1"/>
-          </a:effectRef>
-          <a:fontRef idx="minor">
-            <a:schemeClr val="lt1"/>
-          </a:fontRef>
-        </p:style>
-        <p:txBody>
-          <a:bodyPr rtlCol="0" anchor="ctr"/>
-          <a:lstStyle/>
-          <a:p>
-            <a:pPr algn="ctr"/>
-            <a:r>
-              <a:rPr lang="fr-FR" dirty="0" smtClean="0"/>
-              <a:t>Base de donnée</a:t>
-            </a:r>
-            <a:endParaRPr lang="fr-FR" dirty="0"/>
-          </a:p>
-        </p:txBody>
-      </p:sp>
-      <p:sp>
-        <p:nvSpPr>
-          <p:cNvPr id="8" name="ZoneTexte 7"/>
+          <p:cNvPr id="4" name="ZoneTexte 3"/>
           <p:cNvSpPr txBox="1"/>
           <p:nvPr/>
         </p:nvSpPr>
         <p:spPr>
           <a:xfrm>
-            <a:off x="1341912" y="5177642"/>
-            <a:ext cx="7327075" cy="646331"/>
+            <a:off x="760022" y="558139"/>
+            <a:ext cx="10414659" cy="1538883"/>
           </a:xfrm>
           <a:prstGeom prst="rect">
             <a:avLst/>
@@ -3741,23 +3982,44 @@
           </a:bodyPr>
           <a:lstStyle/>
           <a:p>
-            <a:pPr algn="ctr"/>
-            <a:r>
-              <a:rPr lang="fr-FR" sz="3600" dirty="0" smtClean="0"/>
-              <a:t>Patron </a:t>
-            </a:r>
-            <a:r>
-              <a:rPr lang="fr-FR" sz="3600" dirty="0" err="1" smtClean="0"/>
-              <a:t>mvc</a:t>
-            </a:r>
-            <a:endParaRPr lang="fr-FR" sz="3600" dirty="0"/>
+            <a:r>
+              <a:rPr lang="fr-FR" sz="2000" dirty="0" smtClean="0"/>
+              <a:t>Lister:</a:t>
+            </a:r>
+            <a:r>
+              <a:rPr lang="fr-FR" dirty="0" smtClean="0"/>
+              <a:t> les catégories de questionnaire  -&gt; cocher les catégories voulu et valider -&gt; afficher les groupes de questions -&gt;  </a:t>
+            </a:r>
+          </a:p>
+          <a:p>
+            <a:r>
+              <a:rPr lang="fr-FR" sz="2000" dirty="0" smtClean="0"/>
+              <a:t>ajouter</a:t>
+            </a:r>
+            <a:r>
+              <a:rPr lang="fr-FR" dirty="0" smtClean="0"/>
+              <a:t> : attribuer un nombre d’étoile(difficulté) -&gt; choisir la catégorie -&gt; ranger dans la base de donnée</a:t>
+            </a:r>
+          </a:p>
+          <a:p>
+            <a:r>
+              <a:rPr lang="fr-FR" dirty="0" smtClean="0"/>
+              <a:t>Supprimer : préciser l’id de la question, </a:t>
+            </a:r>
+          </a:p>
+          <a:p>
+            <a:r>
+              <a:rPr lang="fr-FR" dirty="0" smtClean="0"/>
+              <a:t>imprimer le résultat : mettre au format imprimable,</a:t>
+            </a:r>
+            <a:endParaRPr lang="fr-FR" dirty="0"/>
           </a:p>
         </p:txBody>
       </p:sp>
     </p:spTree>
     <p:extLst>
       <p:ext uri="{BB962C8B-B14F-4D97-AF65-F5344CB8AC3E}">
-        <p14:creationId xmlns:p14="http://schemas.microsoft.com/office/powerpoint/2010/main" val="1207219588"/>
+        <p14:creationId xmlns:p14="http://schemas.microsoft.com/office/powerpoint/2010/main" val="1178207391"/>
       </p:ext>
     </p:extLst>
   </p:cSld>
@@ -3786,14 +4048,14 @@
       </p:grpSpPr>
       <p:sp>
         <p:nvSpPr>
-          <p:cNvPr id="2" name="Rectangle à coins arrondis 1"/>
+          <p:cNvPr id="4" name="Rectangle à coins arrondis 3"/>
           <p:cNvSpPr/>
           <p:nvPr/>
         </p:nvSpPr>
         <p:spPr>
           <a:xfrm>
-            <a:off x="8704613" y="1389413"/>
-            <a:ext cx="1769423" cy="3764478"/>
+            <a:off x="4583876" y="201881"/>
+            <a:ext cx="2636322" cy="1246909"/>
           </a:xfrm>
           <a:prstGeom prst="roundRect">
             <a:avLst/>
@@ -3822,7 +4084,7 @@
             <a:pPr algn="ctr"/>
             <a:r>
               <a:rPr lang="fr-FR" dirty="0" smtClean="0"/>
-              <a:t>modèle</a:t>
+              <a:t>contrôleur</a:t>
             </a:r>
             <a:endParaRPr lang="fr-FR" dirty="0"/>
           </a:p>
@@ -3830,14 +4092,14 @@
       </p:sp>
       <p:sp>
         <p:nvSpPr>
-          <p:cNvPr id="3" name="Rectangle à coins arrondis 2"/>
+          <p:cNvPr id="5" name="Rectangle à coins arrondis 4"/>
           <p:cNvSpPr/>
           <p:nvPr/>
         </p:nvSpPr>
         <p:spPr>
           <a:xfrm>
-            <a:off x="5712031" y="1389413"/>
-            <a:ext cx="1840675" cy="795647"/>
+            <a:off x="1138052" y="2224643"/>
+            <a:ext cx="2636322" cy="1246909"/>
           </a:xfrm>
           <a:prstGeom prst="roundRect">
             <a:avLst/>
@@ -3866,7 +4128,7 @@
             <a:pPr algn="ctr"/>
             <a:r>
               <a:rPr lang="fr-FR" dirty="0" smtClean="0"/>
-              <a:t>présentation</a:t>
+              <a:t>vue</a:t>
             </a:r>
             <a:endParaRPr lang="fr-FR" dirty="0"/>
           </a:p>
@@ -3874,14 +4136,14 @@
       </p:sp>
       <p:sp>
         <p:nvSpPr>
-          <p:cNvPr id="4" name="Rectangle à coins arrondis 3"/>
+          <p:cNvPr id="6" name="Rectangle à coins arrondis 5"/>
           <p:cNvSpPr/>
           <p:nvPr/>
         </p:nvSpPr>
         <p:spPr>
           <a:xfrm>
-            <a:off x="5712030" y="2705594"/>
-            <a:ext cx="1840675" cy="795647"/>
+            <a:off x="8055427" y="2224644"/>
+            <a:ext cx="2636322" cy="1246909"/>
           </a:xfrm>
           <a:prstGeom prst="roundRect">
             <a:avLst/>
@@ -3910,7 +4172,7 @@
             <a:pPr algn="ctr"/>
             <a:r>
               <a:rPr lang="fr-FR" dirty="0" smtClean="0"/>
-              <a:t>métier</a:t>
+              <a:t>modèles</a:t>
             </a:r>
             <a:endParaRPr lang="fr-FR" dirty="0"/>
           </a:p>
@@ -3918,16 +4180,16 @@
       </p:sp>
       <p:sp>
         <p:nvSpPr>
-          <p:cNvPr id="5" name="Rectangle à coins arrondis 4"/>
+          <p:cNvPr id="7" name="Cylindre 6"/>
           <p:cNvSpPr/>
           <p:nvPr/>
         </p:nvSpPr>
         <p:spPr>
           <a:xfrm>
-            <a:off x="5712030" y="3988127"/>
-            <a:ext cx="1840675" cy="795647"/>
-          </a:xfrm>
-          <a:prstGeom prst="roundRect">
+            <a:off x="9373588" y="5011388"/>
+            <a:ext cx="1816925" cy="1650670"/>
+          </a:xfrm>
+          <a:prstGeom prst="can">
             <a:avLst/>
           </a:prstGeom>
         </p:spPr>
@@ -3954,6 +4216,247 @@
             <a:pPr algn="ctr"/>
             <a:r>
               <a:rPr lang="fr-FR" dirty="0" smtClean="0"/>
+              <a:t>Base de donnée</a:t>
+            </a:r>
+            <a:endParaRPr lang="fr-FR" dirty="0"/>
+          </a:p>
+        </p:txBody>
+      </p:sp>
+      <p:sp>
+        <p:nvSpPr>
+          <p:cNvPr id="8" name="ZoneTexte 7"/>
+          <p:cNvSpPr txBox="1"/>
+          <p:nvPr/>
+        </p:nvSpPr>
+        <p:spPr>
+          <a:xfrm>
+            <a:off x="1341912" y="5177642"/>
+            <a:ext cx="7327075" cy="646331"/>
+          </a:xfrm>
+          <a:prstGeom prst="rect">
+            <a:avLst/>
+          </a:prstGeom>
+          <a:noFill/>
+        </p:spPr>
+        <p:txBody>
+          <a:bodyPr wrap="square" rtlCol="0">
+            <a:spAutoFit/>
+          </a:bodyPr>
+          <a:lstStyle/>
+          <a:p>
+            <a:pPr algn="ctr"/>
+            <a:r>
+              <a:rPr lang="fr-FR" sz="3600" dirty="0" smtClean="0"/>
+              <a:t>Patron </a:t>
+            </a:r>
+            <a:r>
+              <a:rPr lang="fr-FR" sz="3600" dirty="0" err="1" smtClean="0"/>
+              <a:t>mvc</a:t>
+            </a:r>
+            <a:endParaRPr lang="fr-FR" sz="3600" dirty="0"/>
+          </a:p>
+        </p:txBody>
+      </p:sp>
+    </p:spTree>
+    <p:extLst>
+      <p:ext uri="{BB962C8B-B14F-4D97-AF65-F5344CB8AC3E}">
+        <p14:creationId xmlns:p14="http://schemas.microsoft.com/office/powerpoint/2010/main" val="1207219588"/>
+      </p:ext>
+    </p:extLst>
+  </p:cSld>
+  <p:clrMapOvr>
+    <a:masterClrMapping/>
+  </p:clrMapOvr>
+</p:sld>
+</file>
+
+<file path=ppt/slides/slide6.xml><?xml version="1.0" encoding="utf-8"?>
+<p:sld xmlns:a="http://schemas.openxmlformats.org/drawingml/2006/main" xmlns:r="http://schemas.openxmlformats.org/officeDocument/2006/relationships" xmlns:p="http://schemas.openxmlformats.org/presentationml/2006/main">
+  <p:cSld>
+    <p:spTree>
+      <p:nvGrpSpPr>
+        <p:cNvPr id="1" name=""/>
+        <p:cNvGrpSpPr/>
+        <p:nvPr/>
+      </p:nvGrpSpPr>
+      <p:grpSpPr>
+        <a:xfrm>
+          <a:off x="0" y="0"/>
+          <a:ext cx="0" cy="0"/>
+          <a:chOff x="0" y="0"/>
+          <a:chExt cx="0" cy="0"/>
+        </a:xfrm>
+      </p:grpSpPr>
+      <p:sp>
+        <p:nvSpPr>
+          <p:cNvPr id="2" name="Rectangle à coins arrondis 1"/>
+          <p:cNvSpPr/>
+          <p:nvPr/>
+        </p:nvSpPr>
+        <p:spPr>
+          <a:xfrm>
+            <a:off x="8704613" y="1389413"/>
+            <a:ext cx="1769423" cy="3764478"/>
+          </a:xfrm>
+          <a:prstGeom prst="roundRect">
+            <a:avLst/>
+          </a:prstGeom>
+        </p:spPr>
+        <p:style>
+          <a:lnRef idx="2">
+            <a:schemeClr val="accent1">
+              <a:shade val="50000"/>
+            </a:schemeClr>
+          </a:lnRef>
+          <a:fillRef idx="1">
+            <a:schemeClr val="accent1"/>
+          </a:fillRef>
+          <a:effectRef idx="0">
+            <a:schemeClr val="accent1"/>
+          </a:effectRef>
+          <a:fontRef idx="minor">
+            <a:schemeClr val="lt1"/>
+          </a:fontRef>
+        </p:style>
+        <p:txBody>
+          <a:bodyPr rtlCol="0" anchor="ctr"/>
+          <a:lstStyle/>
+          <a:p>
+            <a:pPr algn="ctr"/>
+            <a:r>
+              <a:rPr lang="fr-FR" dirty="0" smtClean="0"/>
+              <a:t>modèle</a:t>
+            </a:r>
+            <a:endParaRPr lang="fr-FR" dirty="0"/>
+          </a:p>
+        </p:txBody>
+      </p:sp>
+      <p:sp>
+        <p:nvSpPr>
+          <p:cNvPr id="3" name="Rectangle à coins arrondis 2"/>
+          <p:cNvSpPr/>
+          <p:nvPr/>
+        </p:nvSpPr>
+        <p:spPr>
+          <a:xfrm>
+            <a:off x="5712031" y="1389413"/>
+            <a:ext cx="1840675" cy="795647"/>
+          </a:xfrm>
+          <a:prstGeom prst="roundRect">
+            <a:avLst/>
+          </a:prstGeom>
+        </p:spPr>
+        <p:style>
+          <a:lnRef idx="2">
+            <a:schemeClr val="accent1">
+              <a:shade val="50000"/>
+            </a:schemeClr>
+          </a:lnRef>
+          <a:fillRef idx="1">
+            <a:schemeClr val="accent1"/>
+          </a:fillRef>
+          <a:effectRef idx="0">
+            <a:schemeClr val="accent1"/>
+          </a:effectRef>
+          <a:fontRef idx="minor">
+            <a:schemeClr val="lt1"/>
+          </a:fontRef>
+        </p:style>
+        <p:txBody>
+          <a:bodyPr rtlCol="0" anchor="ctr"/>
+          <a:lstStyle/>
+          <a:p>
+            <a:pPr algn="ctr"/>
+            <a:r>
+              <a:rPr lang="fr-FR" dirty="0" smtClean="0"/>
+              <a:t>présentation</a:t>
+            </a:r>
+            <a:endParaRPr lang="fr-FR" dirty="0"/>
+          </a:p>
+        </p:txBody>
+      </p:sp>
+      <p:sp>
+        <p:nvSpPr>
+          <p:cNvPr id="4" name="Rectangle à coins arrondis 3"/>
+          <p:cNvSpPr/>
+          <p:nvPr/>
+        </p:nvSpPr>
+        <p:spPr>
+          <a:xfrm>
+            <a:off x="5712030" y="2705594"/>
+            <a:ext cx="1840675" cy="795647"/>
+          </a:xfrm>
+          <a:prstGeom prst="roundRect">
+            <a:avLst/>
+          </a:prstGeom>
+        </p:spPr>
+        <p:style>
+          <a:lnRef idx="2">
+            <a:schemeClr val="accent1">
+              <a:shade val="50000"/>
+            </a:schemeClr>
+          </a:lnRef>
+          <a:fillRef idx="1">
+            <a:schemeClr val="accent1"/>
+          </a:fillRef>
+          <a:effectRef idx="0">
+            <a:schemeClr val="accent1"/>
+          </a:effectRef>
+          <a:fontRef idx="minor">
+            <a:schemeClr val="lt1"/>
+          </a:fontRef>
+        </p:style>
+        <p:txBody>
+          <a:bodyPr rtlCol="0" anchor="ctr"/>
+          <a:lstStyle/>
+          <a:p>
+            <a:pPr algn="ctr"/>
+            <a:r>
+              <a:rPr lang="fr-FR" dirty="0" smtClean="0"/>
+              <a:t>métier</a:t>
+            </a:r>
+            <a:endParaRPr lang="fr-FR" dirty="0"/>
+          </a:p>
+        </p:txBody>
+      </p:sp>
+      <p:sp>
+        <p:nvSpPr>
+          <p:cNvPr id="5" name="Rectangle à coins arrondis 4"/>
+          <p:cNvSpPr/>
+          <p:nvPr/>
+        </p:nvSpPr>
+        <p:spPr>
+          <a:xfrm>
+            <a:off x="5712030" y="3988127"/>
+            <a:ext cx="1840675" cy="795647"/>
+          </a:xfrm>
+          <a:prstGeom prst="roundRect">
+            <a:avLst/>
+          </a:prstGeom>
+        </p:spPr>
+        <p:style>
+          <a:lnRef idx="2">
+            <a:schemeClr val="accent1">
+              <a:shade val="50000"/>
+            </a:schemeClr>
+          </a:lnRef>
+          <a:fillRef idx="1">
+            <a:schemeClr val="accent1"/>
+          </a:fillRef>
+          <a:effectRef idx="0">
+            <a:schemeClr val="accent1"/>
+          </a:effectRef>
+          <a:fontRef idx="minor">
+            <a:schemeClr val="lt1"/>
+          </a:fontRef>
+        </p:style>
+        <p:txBody>
+          <a:bodyPr rtlCol="0" anchor="ctr"/>
+          <a:lstStyle/>
+          <a:p>
+            <a:pPr algn="ctr"/>
+            <a:r>
+              <a:rPr lang="fr-FR" dirty="0" smtClean="0"/>
               <a:t>persistances</a:t>
             </a:r>
             <a:endParaRPr lang="fr-FR" dirty="0"/>
@@ -3968,7 +4471,7 @@
         </p:nvSpPr>
         <p:spPr>
           <a:xfrm>
-            <a:off x="9048997" y="5640779"/>
+            <a:off x="8704613" y="5569528"/>
             <a:ext cx="1816925" cy="1021278"/>
           </a:xfrm>
           <a:prstGeom prst="can">
